--- a/usab/Konkurenzanalyse.pptx
+++ b/usab/Konkurenzanalyse.pptx
@@ -108,6 +108,11 @@
       </a:defRPr>
     </a:lvl9pPr>
   </p:defaultTextStyle>
+  <p:extLst>
+    <p:ext uri="{EFAFB233-063F-42B5-8137-9DF3F51BA10A}">
+      <p15:sldGuideLst xmlns:p15="http://schemas.microsoft.com/office/powerpoint/2012/main"/>
+    </p:ext>
+  </p:extLst>
 </p:presentation>
 </file>
 
@@ -133,7 +138,7 @@
           <p:cNvPr id="2" name="Titel 1">
             <a:extLst>
               <a:ext uri="{FF2B5EF4-FFF2-40B4-BE49-F238E27FC236}">
-                <a16:creationId xmlns:a16="http://schemas.microsoft.com/office/drawing/2014/main" id="{4A195572-1F23-4A5F-91B7-2E957558AA42}"/>
+                <a16:creationId xmlns:a16="http://schemas.microsoft.com/office/drawing/2014/main" xmlns="" id="{4A195572-1F23-4A5F-91B7-2E957558AA42}"/>
               </a:ext>
             </a:extLst>
           </p:cNvPr>
@@ -171,7 +176,7 @@
           <p:cNvPr id="3" name="Untertitel 2">
             <a:extLst>
               <a:ext uri="{FF2B5EF4-FFF2-40B4-BE49-F238E27FC236}">
-                <a16:creationId xmlns:a16="http://schemas.microsoft.com/office/drawing/2014/main" id="{8007E211-43D5-45B6-90E0-EE5D3E4BCDF5}"/>
+                <a16:creationId xmlns:a16="http://schemas.microsoft.com/office/drawing/2014/main" xmlns="" id="{8007E211-43D5-45B6-90E0-EE5D3E4BCDF5}"/>
               </a:ext>
             </a:extLst>
           </p:cNvPr>
@@ -242,7 +247,7 @@
           <p:cNvPr id="4" name="Datumsplatzhalter 3">
             <a:extLst>
               <a:ext uri="{FF2B5EF4-FFF2-40B4-BE49-F238E27FC236}">
-                <a16:creationId xmlns:a16="http://schemas.microsoft.com/office/drawing/2014/main" id="{A1D157FD-4B3A-48EE-959C-F74BF3011269}"/>
+                <a16:creationId xmlns:a16="http://schemas.microsoft.com/office/drawing/2014/main" xmlns="" id="{A1D157FD-4B3A-48EE-959C-F74BF3011269}"/>
               </a:ext>
             </a:extLst>
           </p:cNvPr>
@@ -260,7 +265,7 @@
           <a:p>
             <a:fld id="{CB20A560-429B-4DBA-AAB4-7CE22FBA1041}" type="datetimeFigureOut">
               <a:rPr lang="en-US" smtClean="0"/>
-              <a:t>3/6/2018</a:t>
+              <a:t>3/6/18</a:t>
             </a:fld>
             <a:endParaRPr lang="en-US"/>
           </a:p>
@@ -271,7 +276,7 @@
           <p:cNvPr id="5" name="Fußzeilenplatzhalter 4">
             <a:extLst>
               <a:ext uri="{FF2B5EF4-FFF2-40B4-BE49-F238E27FC236}">
-                <a16:creationId xmlns:a16="http://schemas.microsoft.com/office/drawing/2014/main" id="{FB225384-CCE3-4D1C-88B9-CF2AF4A60BB5}"/>
+                <a16:creationId xmlns:a16="http://schemas.microsoft.com/office/drawing/2014/main" xmlns="" id="{FB225384-CCE3-4D1C-88B9-CF2AF4A60BB5}"/>
               </a:ext>
             </a:extLst>
           </p:cNvPr>
@@ -296,7 +301,7 @@
           <p:cNvPr id="6" name="Foliennummernplatzhalter 5">
             <a:extLst>
               <a:ext uri="{FF2B5EF4-FFF2-40B4-BE49-F238E27FC236}">
-                <a16:creationId xmlns:a16="http://schemas.microsoft.com/office/drawing/2014/main" id="{1DF40E06-E10B-4B37-A4AF-8FF4D34E7E24}"/>
+                <a16:creationId xmlns:a16="http://schemas.microsoft.com/office/drawing/2014/main" xmlns="" id="{1DF40E06-E10B-4B37-A4AF-8FF4D34E7E24}"/>
               </a:ext>
             </a:extLst>
           </p:cNvPr>
@@ -314,7 +319,7 @@
           <a:p>
             <a:fld id="{5B9FA8C1-1BB0-438E-A3B4-35B3082B5C3D}" type="slidenum">
               <a:rPr lang="en-US" smtClean="0"/>
-              <a:t>‹Nr.›</a:t>
+              <a:t>‹#›</a:t>
             </a:fld>
             <a:endParaRPr lang="en-US"/>
           </a:p>
@@ -355,7 +360,7 @@
           <p:cNvPr id="2" name="Titel 1">
             <a:extLst>
               <a:ext uri="{FF2B5EF4-FFF2-40B4-BE49-F238E27FC236}">
-                <a16:creationId xmlns:a16="http://schemas.microsoft.com/office/drawing/2014/main" id="{99EA6D80-F7D1-47B4-8D87-94AC387CD9CB}"/>
+                <a16:creationId xmlns:a16="http://schemas.microsoft.com/office/drawing/2014/main" xmlns="" id="{99EA6D80-F7D1-47B4-8D87-94AC387CD9CB}"/>
               </a:ext>
             </a:extLst>
           </p:cNvPr>
@@ -384,7 +389,7 @@
           <p:cNvPr id="3" name="Vertikaler Textplatzhalter 2">
             <a:extLst>
               <a:ext uri="{FF2B5EF4-FFF2-40B4-BE49-F238E27FC236}">
-                <a16:creationId xmlns:a16="http://schemas.microsoft.com/office/drawing/2014/main" id="{8227AA31-D12E-4EA8-AC39-1D6A0FA9664E}"/>
+                <a16:creationId xmlns:a16="http://schemas.microsoft.com/office/drawing/2014/main" xmlns="" id="{8227AA31-D12E-4EA8-AC39-1D6A0FA9664E}"/>
               </a:ext>
             </a:extLst>
           </p:cNvPr>
@@ -442,7 +447,7 @@
           <p:cNvPr id="4" name="Datumsplatzhalter 3">
             <a:extLst>
               <a:ext uri="{FF2B5EF4-FFF2-40B4-BE49-F238E27FC236}">
-                <a16:creationId xmlns:a16="http://schemas.microsoft.com/office/drawing/2014/main" id="{E2BF636C-15E8-4CB6-A308-3E905CC706FA}"/>
+                <a16:creationId xmlns:a16="http://schemas.microsoft.com/office/drawing/2014/main" xmlns="" id="{E2BF636C-15E8-4CB6-A308-3E905CC706FA}"/>
               </a:ext>
             </a:extLst>
           </p:cNvPr>
@@ -460,7 +465,7 @@
           <a:p>
             <a:fld id="{CB20A560-429B-4DBA-AAB4-7CE22FBA1041}" type="datetimeFigureOut">
               <a:rPr lang="en-US" smtClean="0"/>
-              <a:t>3/6/2018</a:t>
+              <a:t>3/6/18</a:t>
             </a:fld>
             <a:endParaRPr lang="en-US"/>
           </a:p>
@@ -471,7 +476,7 @@
           <p:cNvPr id="5" name="Fußzeilenplatzhalter 4">
             <a:extLst>
               <a:ext uri="{FF2B5EF4-FFF2-40B4-BE49-F238E27FC236}">
-                <a16:creationId xmlns:a16="http://schemas.microsoft.com/office/drawing/2014/main" id="{5294DA89-BB0C-42CE-AB3A-1E76D27BDB4E}"/>
+                <a16:creationId xmlns:a16="http://schemas.microsoft.com/office/drawing/2014/main" xmlns="" id="{5294DA89-BB0C-42CE-AB3A-1E76D27BDB4E}"/>
               </a:ext>
             </a:extLst>
           </p:cNvPr>
@@ -496,7 +501,7 @@
           <p:cNvPr id="6" name="Foliennummernplatzhalter 5">
             <a:extLst>
               <a:ext uri="{FF2B5EF4-FFF2-40B4-BE49-F238E27FC236}">
-                <a16:creationId xmlns:a16="http://schemas.microsoft.com/office/drawing/2014/main" id="{3F400E4D-AD66-4C33-AA94-DFAA7F513658}"/>
+                <a16:creationId xmlns:a16="http://schemas.microsoft.com/office/drawing/2014/main" xmlns="" id="{3F400E4D-AD66-4C33-AA94-DFAA7F513658}"/>
               </a:ext>
             </a:extLst>
           </p:cNvPr>
@@ -514,7 +519,7 @@
           <a:p>
             <a:fld id="{5B9FA8C1-1BB0-438E-A3B4-35B3082B5C3D}" type="slidenum">
               <a:rPr lang="en-US" smtClean="0"/>
-              <a:t>‹Nr.›</a:t>
+              <a:t>‹#›</a:t>
             </a:fld>
             <a:endParaRPr lang="en-US"/>
           </a:p>
@@ -555,7 +560,7 @@
           <p:cNvPr id="2" name="Vertikaler Titel 1">
             <a:extLst>
               <a:ext uri="{FF2B5EF4-FFF2-40B4-BE49-F238E27FC236}">
-                <a16:creationId xmlns:a16="http://schemas.microsoft.com/office/drawing/2014/main" id="{7F9150E7-4AB8-4AAA-9E9B-F034C4A32E83}"/>
+                <a16:creationId xmlns:a16="http://schemas.microsoft.com/office/drawing/2014/main" xmlns="" id="{7F9150E7-4AB8-4AAA-9E9B-F034C4A32E83}"/>
               </a:ext>
             </a:extLst>
           </p:cNvPr>
@@ -589,7 +594,7 @@
           <p:cNvPr id="3" name="Vertikaler Textplatzhalter 2">
             <a:extLst>
               <a:ext uri="{FF2B5EF4-FFF2-40B4-BE49-F238E27FC236}">
-                <a16:creationId xmlns:a16="http://schemas.microsoft.com/office/drawing/2014/main" id="{AE459B5C-BF6B-4FFD-A693-DAE4012B2B27}"/>
+                <a16:creationId xmlns:a16="http://schemas.microsoft.com/office/drawing/2014/main" xmlns="" id="{AE459B5C-BF6B-4FFD-A693-DAE4012B2B27}"/>
               </a:ext>
             </a:extLst>
           </p:cNvPr>
@@ -652,7 +657,7 @@
           <p:cNvPr id="4" name="Datumsplatzhalter 3">
             <a:extLst>
               <a:ext uri="{FF2B5EF4-FFF2-40B4-BE49-F238E27FC236}">
-                <a16:creationId xmlns:a16="http://schemas.microsoft.com/office/drawing/2014/main" id="{2185B0BA-79FB-4C5D-912A-B7029DB65007}"/>
+                <a16:creationId xmlns:a16="http://schemas.microsoft.com/office/drawing/2014/main" xmlns="" id="{2185B0BA-79FB-4C5D-912A-B7029DB65007}"/>
               </a:ext>
             </a:extLst>
           </p:cNvPr>
@@ -670,7 +675,7 @@
           <a:p>
             <a:fld id="{CB20A560-429B-4DBA-AAB4-7CE22FBA1041}" type="datetimeFigureOut">
               <a:rPr lang="en-US" smtClean="0"/>
-              <a:t>3/6/2018</a:t>
+              <a:t>3/6/18</a:t>
             </a:fld>
             <a:endParaRPr lang="en-US"/>
           </a:p>
@@ -681,7 +686,7 @@
           <p:cNvPr id="5" name="Fußzeilenplatzhalter 4">
             <a:extLst>
               <a:ext uri="{FF2B5EF4-FFF2-40B4-BE49-F238E27FC236}">
-                <a16:creationId xmlns:a16="http://schemas.microsoft.com/office/drawing/2014/main" id="{7387EF6F-08C0-4805-BA8D-8F0C183EC10F}"/>
+                <a16:creationId xmlns:a16="http://schemas.microsoft.com/office/drawing/2014/main" xmlns="" id="{7387EF6F-08C0-4805-BA8D-8F0C183EC10F}"/>
               </a:ext>
             </a:extLst>
           </p:cNvPr>
@@ -706,7 +711,7 @@
           <p:cNvPr id="6" name="Foliennummernplatzhalter 5">
             <a:extLst>
               <a:ext uri="{FF2B5EF4-FFF2-40B4-BE49-F238E27FC236}">
-                <a16:creationId xmlns:a16="http://schemas.microsoft.com/office/drawing/2014/main" id="{13CB6FB2-37D2-49DD-B993-C3E082EC0001}"/>
+                <a16:creationId xmlns:a16="http://schemas.microsoft.com/office/drawing/2014/main" xmlns="" id="{13CB6FB2-37D2-49DD-B993-C3E082EC0001}"/>
               </a:ext>
             </a:extLst>
           </p:cNvPr>
@@ -724,7 +729,7 @@
           <a:p>
             <a:fld id="{5B9FA8C1-1BB0-438E-A3B4-35B3082B5C3D}" type="slidenum">
               <a:rPr lang="en-US" smtClean="0"/>
-              <a:t>‹Nr.›</a:t>
+              <a:t>‹#›</a:t>
             </a:fld>
             <a:endParaRPr lang="en-US"/>
           </a:p>
@@ -765,7 +770,7 @@
           <p:cNvPr id="2" name="Titel 1">
             <a:extLst>
               <a:ext uri="{FF2B5EF4-FFF2-40B4-BE49-F238E27FC236}">
-                <a16:creationId xmlns:a16="http://schemas.microsoft.com/office/drawing/2014/main" id="{16DB9E15-818B-43B0-B250-53D0334D2548}"/>
+                <a16:creationId xmlns:a16="http://schemas.microsoft.com/office/drawing/2014/main" xmlns="" id="{16DB9E15-818B-43B0-B250-53D0334D2548}"/>
               </a:ext>
             </a:extLst>
           </p:cNvPr>
@@ -794,7 +799,7 @@
           <p:cNvPr id="3" name="Inhaltsplatzhalter 2">
             <a:extLst>
               <a:ext uri="{FF2B5EF4-FFF2-40B4-BE49-F238E27FC236}">
-                <a16:creationId xmlns:a16="http://schemas.microsoft.com/office/drawing/2014/main" id="{2A855A7D-B28E-45B6-9EA9-B4C5CF1028D0}"/>
+                <a16:creationId xmlns:a16="http://schemas.microsoft.com/office/drawing/2014/main" xmlns="" id="{2A855A7D-B28E-45B6-9EA9-B4C5CF1028D0}"/>
               </a:ext>
             </a:extLst>
           </p:cNvPr>
@@ -852,7 +857,7 @@
           <p:cNvPr id="4" name="Datumsplatzhalter 3">
             <a:extLst>
               <a:ext uri="{FF2B5EF4-FFF2-40B4-BE49-F238E27FC236}">
-                <a16:creationId xmlns:a16="http://schemas.microsoft.com/office/drawing/2014/main" id="{AF13909E-D5F1-4F41-A8B9-7113EF70E1F8}"/>
+                <a16:creationId xmlns:a16="http://schemas.microsoft.com/office/drawing/2014/main" xmlns="" id="{AF13909E-D5F1-4F41-A8B9-7113EF70E1F8}"/>
               </a:ext>
             </a:extLst>
           </p:cNvPr>
@@ -870,7 +875,7 @@
           <a:p>
             <a:fld id="{CB20A560-429B-4DBA-AAB4-7CE22FBA1041}" type="datetimeFigureOut">
               <a:rPr lang="en-US" smtClean="0"/>
-              <a:t>3/6/2018</a:t>
+              <a:t>3/6/18</a:t>
             </a:fld>
             <a:endParaRPr lang="en-US"/>
           </a:p>
@@ -881,7 +886,7 @@
           <p:cNvPr id="5" name="Fußzeilenplatzhalter 4">
             <a:extLst>
               <a:ext uri="{FF2B5EF4-FFF2-40B4-BE49-F238E27FC236}">
-                <a16:creationId xmlns:a16="http://schemas.microsoft.com/office/drawing/2014/main" id="{E19DAA53-9785-4B9E-AA24-EE671BFAC16E}"/>
+                <a16:creationId xmlns:a16="http://schemas.microsoft.com/office/drawing/2014/main" xmlns="" id="{E19DAA53-9785-4B9E-AA24-EE671BFAC16E}"/>
               </a:ext>
             </a:extLst>
           </p:cNvPr>
@@ -906,7 +911,7 @@
           <p:cNvPr id="6" name="Foliennummernplatzhalter 5">
             <a:extLst>
               <a:ext uri="{FF2B5EF4-FFF2-40B4-BE49-F238E27FC236}">
-                <a16:creationId xmlns:a16="http://schemas.microsoft.com/office/drawing/2014/main" id="{1FB32AAB-B4EB-441A-B431-E78702665AA7}"/>
+                <a16:creationId xmlns:a16="http://schemas.microsoft.com/office/drawing/2014/main" xmlns="" id="{1FB32AAB-B4EB-441A-B431-E78702665AA7}"/>
               </a:ext>
             </a:extLst>
           </p:cNvPr>
@@ -924,7 +929,7 @@
           <a:p>
             <a:fld id="{5B9FA8C1-1BB0-438E-A3B4-35B3082B5C3D}" type="slidenum">
               <a:rPr lang="en-US" smtClean="0"/>
-              <a:t>‹Nr.›</a:t>
+              <a:t>‹#›</a:t>
             </a:fld>
             <a:endParaRPr lang="en-US"/>
           </a:p>
@@ -965,7 +970,7 @@
           <p:cNvPr id="2" name="Titel 1">
             <a:extLst>
               <a:ext uri="{FF2B5EF4-FFF2-40B4-BE49-F238E27FC236}">
-                <a16:creationId xmlns:a16="http://schemas.microsoft.com/office/drawing/2014/main" id="{7819EA07-8428-43E9-A487-1B6B6F9E3E75}"/>
+                <a16:creationId xmlns:a16="http://schemas.microsoft.com/office/drawing/2014/main" xmlns="" id="{7819EA07-8428-43E9-A487-1B6B6F9E3E75}"/>
               </a:ext>
             </a:extLst>
           </p:cNvPr>
@@ -1003,7 +1008,7 @@
           <p:cNvPr id="3" name="Textplatzhalter 2">
             <a:extLst>
               <a:ext uri="{FF2B5EF4-FFF2-40B4-BE49-F238E27FC236}">
-                <a16:creationId xmlns:a16="http://schemas.microsoft.com/office/drawing/2014/main" id="{D6B7BC85-EB18-4504-8BFA-AF1A49242A77}"/>
+                <a16:creationId xmlns:a16="http://schemas.microsoft.com/office/drawing/2014/main" xmlns="" id="{D6B7BC85-EB18-4504-8BFA-AF1A49242A77}"/>
               </a:ext>
             </a:extLst>
           </p:cNvPr>
@@ -1128,7 +1133,7 @@
           <p:cNvPr id="4" name="Datumsplatzhalter 3">
             <a:extLst>
               <a:ext uri="{FF2B5EF4-FFF2-40B4-BE49-F238E27FC236}">
-                <a16:creationId xmlns:a16="http://schemas.microsoft.com/office/drawing/2014/main" id="{C97FF2A0-1D90-44FB-8DA6-EED41CD715B7}"/>
+                <a16:creationId xmlns:a16="http://schemas.microsoft.com/office/drawing/2014/main" xmlns="" id="{C97FF2A0-1D90-44FB-8DA6-EED41CD715B7}"/>
               </a:ext>
             </a:extLst>
           </p:cNvPr>
@@ -1146,7 +1151,7 @@
           <a:p>
             <a:fld id="{CB20A560-429B-4DBA-AAB4-7CE22FBA1041}" type="datetimeFigureOut">
               <a:rPr lang="en-US" smtClean="0"/>
-              <a:t>3/6/2018</a:t>
+              <a:t>3/6/18</a:t>
             </a:fld>
             <a:endParaRPr lang="en-US"/>
           </a:p>
@@ -1157,7 +1162,7 @@
           <p:cNvPr id="5" name="Fußzeilenplatzhalter 4">
             <a:extLst>
               <a:ext uri="{FF2B5EF4-FFF2-40B4-BE49-F238E27FC236}">
-                <a16:creationId xmlns:a16="http://schemas.microsoft.com/office/drawing/2014/main" id="{F252EE8B-380D-4D6E-AFB7-1FAB31973271}"/>
+                <a16:creationId xmlns:a16="http://schemas.microsoft.com/office/drawing/2014/main" xmlns="" id="{F252EE8B-380D-4D6E-AFB7-1FAB31973271}"/>
               </a:ext>
             </a:extLst>
           </p:cNvPr>
@@ -1182,7 +1187,7 @@
           <p:cNvPr id="6" name="Foliennummernplatzhalter 5">
             <a:extLst>
               <a:ext uri="{FF2B5EF4-FFF2-40B4-BE49-F238E27FC236}">
-                <a16:creationId xmlns:a16="http://schemas.microsoft.com/office/drawing/2014/main" id="{4737A91C-CD8A-45FA-B5EF-7DD580DC63EC}"/>
+                <a16:creationId xmlns:a16="http://schemas.microsoft.com/office/drawing/2014/main" xmlns="" id="{4737A91C-CD8A-45FA-B5EF-7DD580DC63EC}"/>
               </a:ext>
             </a:extLst>
           </p:cNvPr>
@@ -1200,7 +1205,7 @@
           <a:p>
             <a:fld id="{5B9FA8C1-1BB0-438E-A3B4-35B3082B5C3D}" type="slidenum">
               <a:rPr lang="en-US" smtClean="0"/>
-              <a:t>‹Nr.›</a:t>
+              <a:t>‹#›</a:t>
             </a:fld>
             <a:endParaRPr lang="en-US"/>
           </a:p>
@@ -1241,7 +1246,7 @@
           <p:cNvPr id="2" name="Titel 1">
             <a:extLst>
               <a:ext uri="{FF2B5EF4-FFF2-40B4-BE49-F238E27FC236}">
-                <a16:creationId xmlns:a16="http://schemas.microsoft.com/office/drawing/2014/main" id="{AFEBEFAA-665A-4D15-8EA5-94A84ADA13CC}"/>
+                <a16:creationId xmlns:a16="http://schemas.microsoft.com/office/drawing/2014/main" xmlns="" id="{AFEBEFAA-665A-4D15-8EA5-94A84ADA13CC}"/>
               </a:ext>
             </a:extLst>
           </p:cNvPr>
@@ -1270,7 +1275,7 @@
           <p:cNvPr id="3" name="Inhaltsplatzhalter 2">
             <a:extLst>
               <a:ext uri="{FF2B5EF4-FFF2-40B4-BE49-F238E27FC236}">
-                <a16:creationId xmlns:a16="http://schemas.microsoft.com/office/drawing/2014/main" id="{7F8A805F-49A4-4E94-8366-5BE7D718ECAF}"/>
+                <a16:creationId xmlns:a16="http://schemas.microsoft.com/office/drawing/2014/main" xmlns="" id="{7F8A805F-49A4-4E94-8366-5BE7D718ECAF}"/>
               </a:ext>
             </a:extLst>
           </p:cNvPr>
@@ -1333,7 +1338,7 @@
           <p:cNvPr id="4" name="Inhaltsplatzhalter 3">
             <a:extLst>
               <a:ext uri="{FF2B5EF4-FFF2-40B4-BE49-F238E27FC236}">
-                <a16:creationId xmlns:a16="http://schemas.microsoft.com/office/drawing/2014/main" id="{124BD368-00DA-49D4-BC3E-C0A451A11A88}"/>
+                <a16:creationId xmlns:a16="http://schemas.microsoft.com/office/drawing/2014/main" xmlns="" id="{124BD368-00DA-49D4-BC3E-C0A451A11A88}"/>
               </a:ext>
             </a:extLst>
           </p:cNvPr>
@@ -1396,7 +1401,7 @@
           <p:cNvPr id="5" name="Datumsplatzhalter 4">
             <a:extLst>
               <a:ext uri="{FF2B5EF4-FFF2-40B4-BE49-F238E27FC236}">
-                <a16:creationId xmlns:a16="http://schemas.microsoft.com/office/drawing/2014/main" id="{90B43038-EA98-46AA-B2D9-571C7E0E6F89}"/>
+                <a16:creationId xmlns:a16="http://schemas.microsoft.com/office/drawing/2014/main" xmlns="" id="{90B43038-EA98-46AA-B2D9-571C7E0E6F89}"/>
               </a:ext>
             </a:extLst>
           </p:cNvPr>
@@ -1414,7 +1419,7 @@
           <a:p>
             <a:fld id="{CB20A560-429B-4DBA-AAB4-7CE22FBA1041}" type="datetimeFigureOut">
               <a:rPr lang="en-US" smtClean="0"/>
-              <a:t>3/6/2018</a:t>
+              <a:t>3/6/18</a:t>
             </a:fld>
             <a:endParaRPr lang="en-US"/>
           </a:p>
@@ -1425,7 +1430,7 @@
           <p:cNvPr id="6" name="Fußzeilenplatzhalter 5">
             <a:extLst>
               <a:ext uri="{FF2B5EF4-FFF2-40B4-BE49-F238E27FC236}">
-                <a16:creationId xmlns:a16="http://schemas.microsoft.com/office/drawing/2014/main" id="{CB27866B-D000-4012-A614-576211C6C0A9}"/>
+                <a16:creationId xmlns:a16="http://schemas.microsoft.com/office/drawing/2014/main" xmlns="" id="{CB27866B-D000-4012-A614-576211C6C0A9}"/>
               </a:ext>
             </a:extLst>
           </p:cNvPr>
@@ -1450,7 +1455,7 @@
           <p:cNvPr id="7" name="Foliennummernplatzhalter 6">
             <a:extLst>
               <a:ext uri="{FF2B5EF4-FFF2-40B4-BE49-F238E27FC236}">
-                <a16:creationId xmlns:a16="http://schemas.microsoft.com/office/drawing/2014/main" id="{4369CBB7-7BBA-4854-BBDA-CB2C605B4797}"/>
+                <a16:creationId xmlns:a16="http://schemas.microsoft.com/office/drawing/2014/main" xmlns="" id="{4369CBB7-7BBA-4854-BBDA-CB2C605B4797}"/>
               </a:ext>
             </a:extLst>
           </p:cNvPr>
@@ -1468,7 +1473,7 @@
           <a:p>
             <a:fld id="{5B9FA8C1-1BB0-438E-A3B4-35B3082B5C3D}" type="slidenum">
               <a:rPr lang="en-US" smtClean="0"/>
-              <a:t>‹Nr.›</a:t>
+              <a:t>‹#›</a:t>
             </a:fld>
             <a:endParaRPr lang="en-US"/>
           </a:p>
@@ -1509,7 +1514,7 @@
           <p:cNvPr id="2" name="Titel 1">
             <a:extLst>
               <a:ext uri="{FF2B5EF4-FFF2-40B4-BE49-F238E27FC236}">
-                <a16:creationId xmlns:a16="http://schemas.microsoft.com/office/drawing/2014/main" id="{5E2BD053-2A8D-4206-AEF5-C94D64FD3A1A}"/>
+                <a16:creationId xmlns:a16="http://schemas.microsoft.com/office/drawing/2014/main" xmlns="" id="{5E2BD053-2A8D-4206-AEF5-C94D64FD3A1A}"/>
               </a:ext>
             </a:extLst>
           </p:cNvPr>
@@ -1543,7 +1548,7 @@
           <p:cNvPr id="3" name="Textplatzhalter 2">
             <a:extLst>
               <a:ext uri="{FF2B5EF4-FFF2-40B4-BE49-F238E27FC236}">
-                <a16:creationId xmlns:a16="http://schemas.microsoft.com/office/drawing/2014/main" id="{EA637719-3862-4D15-B30B-3E6BDE40637B}"/>
+                <a16:creationId xmlns:a16="http://schemas.microsoft.com/office/drawing/2014/main" xmlns="" id="{EA637719-3862-4D15-B30B-3E6BDE40637B}"/>
               </a:ext>
             </a:extLst>
           </p:cNvPr>
@@ -1614,7 +1619,7 @@
           <p:cNvPr id="4" name="Inhaltsplatzhalter 3">
             <a:extLst>
               <a:ext uri="{FF2B5EF4-FFF2-40B4-BE49-F238E27FC236}">
-                <a16:creationId xmlns:a16="http://schemas.microsoft.com/office/drawing/2014/main" id="{EE63DFD0-222D-48F5-B8C5-A9AB9BD90F19}"/>
+                <a16:creationId xmlns:a16="http://schemas.microsoft.com/office/drawing/2014/main" xmlns="" id="{EE63DFD0-222D-48F5-B8C5-A9AB9BD90F19}"/>
               </a:ext>
             </a:extLst>
           </p:cNvPr>
@@ -1677,7 +1682,7 @@
           <p:cNvPr id="5" name="Textplatzhalter 4">
             <a:extLst>
               <a:ext uri="{FF2B5EF4-FFF2-40B4-BE49-F238E27FC236}">
-                <a16:creationId xmlns:a16="http://schemas.microsoft.com/office/drawing/2014/main" id="{39608436-BB9F-4521-8B97-99816FA69A9E}"/>
+                <a16:creationId xmlns:a16="http://schemas.microsoft.com/office/drawing/2014/main" xmlns="" id="{39608436-BB9F-4521-8B97-99816FA69A9E}"/>
               </a:ext>
             </a:extLst>
           </p:cNvPr>
@@ -1748,7 +1753,7 @@
           <p:cNvPr id="6" name="Inhaltsplatzhalter 5">
             <a:extLst>
               <a:ext uri="{FF2B5EF4-FFF2-40B4-BE49-F238E27FC236}">
-                <a16:creationId xmlns:a16="http://schemas.microsoft.com/office/drawing/2014/main" id="{48380EC6-F855-4E8F-9D7B-5E884DB92B97}"/>
+                <a16:creationId xmlns:a16="http://schemas.microsoft.com/office/drawing/2014/main" xmlns="" id="{48380EC6-F855-4E8F-9D7B-5E884DB92B97}"/>
               </a:ext>
             </a:extLst>
           </p:cNvPr>
@@ -1811,7 +1816,7 @@
           <p:cNvPr id="7" name="Datumsplatzhalter 6">
             <a:extLst>
               <a:ext uri="{FF2B5EF4-FFF2-40B4-BE49-F238E27FC236}">
-                <a16:creationId xmlns:a16="http://schemas.microsoft.com/office/drawing/2014/main" id="{95059C67-FA2D-4404-93FD-2A269CEDD840}"/>
+                <a16:creationId xmlns:a16="http://schemas.microsoft.com/office/drawing/2014/main" xmlns="" id="{95059C67-FA2D-4404-93FD-2A269CEDD840}"/>
               </a:ext>
             </a:extLst>
           </p:cNvPr>
@@ -1829,7 +1834,7 @@
           <a:p>
             <a:fld id="{CB20A560-429B-4DBA-AAB4-7CE22FBA1041}" type="datetimeFigureOut">
               <a:rPr lang="en-US" smtClean="0"/>
-              <a:t>3/6/2018</a:t>
+              <a:t>3/6/18</a:t>
             </a:fld>
             <a:endParaRPr lang="en-US"/>
           </a:p>
@@ -1840,7 +1845,7 @@
           <p:cNvPr id="8" name="Fußzeilenplatzhalter 7">
             <a:extLst>
               <a:ext uri="{FF2B5EF4-FFF2-40B4-BE49-F238E27FC236}">
-                <a16:creationId xmlns:a16="http://schemas.microsoft.com/office/drawing/2014/main" id="{FAFA0468-09D8-43C4-BFE0-B0C46965FE13}"/>
+                <a16:creationId xmlns:a16="http://schemas.microsoft.com/office/drawing/2014/main" xmlns="" id="{FAFA0468-09D8-43C4-BFE0-B0C46965FE13}"/>
               </a:ext>
             </a:extLst>
           </p:cNvPr>
@@ -1865,7 +1870,7 @@
           <p:cNvPr id="9" name="Foliennummernplatzhalter 8">
             <a:extLst>
               <a:ext uri="{FF2B5EF4-FFF2-40B4-BE49-F238E27FC236}">
-                <a16:creationId xmlns:a16="http://schemas.microsoft.com/office/drawing/2014/main" id="{B517C03D-54F2-4DDB-9228-481AD66B78C6}"/>
+                <a16:creationId xmlns:a16="http://schemas.microsoft.com/office/drawing/2014/main" xmlns="" id="{B517C03D-54F2-4DDB-9228-481AD66B78C6}"/>
               </a:ext>
             </a:extLst>
           </p:cNvPr>
@@ -1883,7 +1888,7 @@
           <a:p>
             <a:fld id="{5B9FA8C1-1BB0-438E-A3B4-35B3082B5C3D}" type="slidenum">
               <a:rPr lang="en-US" smtClean="0"/>
-              <a:t>‹Nr.›</a:t>
+              <a:t>‹#›</a:t>
             </a:fld>
             <a:endParaRPr lang="en-US"/>
           </a:p>
@@ -1924,7 +1929,7 @@
           <p:cNvPr id="2" name="Titel 1">
             <a:extLst>
               <a:ext uri="{FF2B5EF4-FFF2-40B4-BE49-F238E27FC236}">
-                <a16:creationId xmlns:a16="http://schemas.microsoft.com/office/drawing/2014/main" id="{71A04399-59EE-4F9D-B8FB-C1E96B7B4AF7}"/>
+                <a16:creationId xmlns:a16="http://schemas.microsoft.com/office/drawing/2014/main" xmlns="" id="{71A04399-59EE-4F9D-B8FB-C1E96B7B4AF7}"/>
               </a:ext>
             </a:extLst>
           </p:cNvPr>
@@ -1953,7 +1958,7 @@
           <p:cNvPr id="3" name="Datumsplatzhalter 2">
             <a:extLst>
               <a:ext uri="{FF2B5EF4-FFF2-40B4-BE49-F238E27FC236}">
-                <a16:creationId xmlns:a16="http://schemas.microsoft.com/office/drawing/2014/main" id="{8DA3B839-1829-4230-824F-7F2E61DF500E}"/>
+                <a16:creationId xmlns:a16="http://schemas.microsoft.com/office/drawing/2014/main" xmlns="" id="{8DA3B839-1829-4230-824F-7F2E61DF500E}"/>
               </a:ext>
             </a:extLst>
           </p:cNvPr>
@@ -1971,7 +1976,7 @@
           <a:p>
             <a:fld id="{CB20A560-429B-4DBA-AAB4-7CE22FBA1041}" type="datetimeFigureOut">
               <a:rPr lang="en-US" smtClean="0"/>
-              <a:t>3/6/2018</a:t>
+              <a:t>3/6/18</a:t>
             </a:fld>
             <a:endParaRPr lang="en-US"/>
           </a:p>
@@ -1982,7 +1987,7 @@
           <p:cNvPr id="4" name="Fußzeilenplatzhalter 3">
             <a:extLst>
               <a:ext uri="{FF2B5EF4-FFF2-40B4-BE49-F238E27FC236}">
-                <a16:creationId xmlns:a16="http://schemas.microsoft.com/office/drawing/2014/main" id="{C3732447-0457-47F0-9B2F-58FB42DE6309}"/>
+                <a16:creationId xmlns:a16="http://schemas.microsoft.com/office/drawing/2014/main" xmlns="" id="{C3732447-0457-47F0-9B2F-58FB42DE6309}"/>
               </a:ext>
             </a:extLst>
           </p:cNvPr>
@@ -2007,7 +2012,7 @@
           <p:cNvPr id="5" name="Foliennummernplatzhalter 4">
             <a:extLst>
               <a:ext uri="{FF2B5EF4-FFF2-40B4-BE49-F238E27FC236}">
-                <a16:creationId xmlns:a16="http://schemas.microsoft.com/office/drawing/2014/main" id="{008AEFB1-3867-462B-8139-3F9417111B1F}"/>
+                <a16:creationId xmlns:a16="http://schemas.microsoft.com/office/drawing/2014/main" xmlns="" id="{008AEFB1-3867-462B-8139-3F9417111B1F}"/>
               </a:ext>
             </a:extLst>
           </p:cNvPr>
@@ -2025,7 +2030,7 @@
           <a:p>
             <a:fld id="{5B9FA8C1-1BB0-438E-A3B4-35B3082B5C3D}" type="slidenum">
               <a:rPr lang="en-US" smtClean="0"/>
-              <a:t>‹Nr.›</a:t>
+              <a:t>‹#›</a:t>
             </a:fld>
             <a:endParaRPr lang="en-US"/>
           </a:p>
@@ -2066,7 +2071,7 @@
           <p:cNvPr id="2" name="Datumsplatzhalter 1">
             <a:extLst>
               <a:ext uri="{FF2B5EF4-FFF2-40B4-BE49-F238E27FC236}">
-                <a16:creationId xmlns:a16="http://schemas.microsoft.com/office/drawing/2014/main" id="{2CCBB2CD-A9B2-41E3-B9C1-C038AF992BCD}"/>
+                <a16:creationId xmlns:a16="http://schemas.microsoft.com/office/drawing/2014/main" xmlns="" id="{2CCBB2CD-A9B2-41E3-B9C1-C038AF992BCD}"/>
               </a:ext>
             </a:extLst>
           </p:cNvPr>
@@ -2084,7 +2089,7 @@
           <a:p>
             <a:fld id="{CB20A560-429B-4DBA-AAB4-7CE22FBA1041}" type="datetimeFigureOut">
               <a:rPr lang="en-US" smtClean="0"/>
-              <a:t>3/6/2018</a:t>
+              <a:t>3/6/18</a:t>
             </a:fld>
             <a:endParaRPr lang="en-US"/>
           </a:p>
@@ -2095,7 +2100,7 @@
           <p:cNvPr id="3" name="Fußzeilenplatzhalter 2">
             <a:extLst>
               <a:ext uri="{FF2B5EF4-FFF2-40B4-BE49-F238E27FC236}">
-                <a16:creationId xmlns:a16="http://schemas.microsoft.com/office/drawing/2014/main" id="{63C66003-F90D-4AD7-856E-CB2F11904F75}"/>
+                <a16:creationId xmlns:a16="http://schemas.microsoft.com/office/drawing/2014/main" xmlns="" id="{63C66003-F90D-4AD7-856E-CB2F11904F75}"/>
               </a:ext>
             </a:extLst>
           </p:cNvPr>
@@ -2120,7 +2125,7 @@
           <p:cNvPr id="4" name="Foliennummernplatzhalter 3">
             <a:extLst>
               <a:ext uri="{FF2B5EF4-FFF2-40B4-BE49-F238E27FC236}">
-                <a16:creationId xmlns:a16="http://schemas.microsoft.com/office/drawing/2014/main" id="{596C6903-4875-451F-8D39-380118E2552E}"/>
+                <a16:creationId xmlns:a16="http://schemas.microsoft.com/office/drawing/2014/main" xmlns="" id="{596C6903-4875-451F-8D39-380118E2552E}"/>
               </a:ext>
             </a:extLst>
           </p:cNvPr>
@@ -2138,7 +2143,7 @@
           <a:p>
             <a:fld id="{5B9FA8C1-1BB0-438E-A3B4-35B3082B5C3D}" type="slidenum">
               <a:rPr lang="en-US" smtClean="0"/>
-              <a:t>‹Nr.›</a:t>
+              <a:t>‹#›</a:t>
             </a:fld>
             <a:endParaRPr lang="en-US"/>
           </a:p>
@@ -2179,7 +2184,7 @@
           <p:cNvPr id="2" name="Titel 1">
             <a:extLst>
               <a:ext uri="{FF2B5EF4-FFF2-40B4-BE49-F238E27FC236}">
-                <a16:creationId xmlns:a16="http://schemas.microsoft.com/office/drawing/2014/main" id="{86D33A33-6425-4D92-B33B-438E2F8570B8}"/>
+                <a16:creationId xmlns:a16="http://schemas.microsoft.com/office/drawing/2014/main" xmlns="" id="{86D33A33-6425-4D92-B33B-438E2F8570B8}"/>
               </a:ext>
             </a:extLst>
           </p:cNvPr>
@@ -2217,7 +2222,7 @@
           <p:cNvPr id="3" name="Inhaltsplatzhalter 2">
             <a:extLst>
               <a:ext uri="{FF2B5EF4-FFF2-40B4-BE49-F238E27FC236}">
-                <a16:creationId xmlns:a16="http://schemas.microsoft.com/office/drawing/2014/main" id="{B3738790-62A7-484F-9562-27F9380AB0D9}"/>
+                <a16:creationId xmlns:a16="http://schemas.microsoft.com/office/drawing/2014/main" xmlns="" id="{B3738790-62A7-484F-9562-27F9380AB0D9}"/>
               </a:ext>
             </a:extLst>
           </p:cNvPr>
@@ -2308,7 +2313,7 @@
           <p:cNvPr id="4" name="Textplatzhalter 3">
             <a:extLst>
               <a:ext uri="{FF2B5EF4-FFF2-40B4-BE49-F238E27FC236}">
-                <a16:creationId xmlns:a16="http://schemas.microsoft.com/office/drawing/2014/main" id="{8F4DB005-072F-44E2-96C4-97031B2A8792}"/>
+                <a16:creationId xmlns:a16="http://schemas.microsoft.com/office/drawing/2014/main" xmlns="" id="{8F4DB005-072F-44E2-96C4-97031B2A8792}"/>
               </a:ext>
             </a:extLst>
           </p:cNvPr>
@@ -2379,7 +2384,7 @@
           <p:cNvPr id="5" name="Datumsplatzhalter 4">
             <a:extLst>
               <a:ext uri="{FF2B5EF4-FFF2-40B4-BE49-F238E27FC236}">
-                <a16:creationId xmlns:a16="http://schemas.microsoft.com/office/drawing/2014/main" id="{01A1E29D-3AE8-4ED2-867F-7B99246A57ED}"/>
+                <a16:creationId xmlns:a16="http://schemas.microsoft.com/office/drawing/2014/main" xmlns="" id="{01A1E29D-3AE8-4ED2-867F-7B99246A57ED}"/>
               </a:ext>
             </a:extLst>
           </p:cNvPr>
@@ -2397,7 +2402,7 @@
           <a:p>
             <a:fld id="{CB20A560-429B-4DBA-AAB4-7CE22FBA1041}" type="datetimeFigureOut">
               <a:rPr lang="en-US" smtClean="0"/>
-              <a:t>3/6/2018</a:t>
+              <a:t>3/6/18</a:t>
             </a:fld>
             <a:endParaRPr lang="en-US"/>
           </a:p>
@@ -2408,7 +2413,7 @@
           <p:cNvPr id="6" name="Fußzeilenplatzhalter 5">
             <a:extLst>
               <a:ext uri="{FF2B5EF4-FFF2-40B4-BE49-F238E27FC236}">
-                <a16:creationId xmlns:a16="http://schemas.microsoft.com/office/drawing/2014/main" id="{280DA774-3C0C-41BA-8315-6B19A6582D11}"/>
+                <a16:creationId xmlns:a16="http://schemas.microsoft.com/office/drawing/2014/main" xmlns="" id="{280DA774-3C0C-41BA-8315-6B19A6582D11}"/>
               </a:ext>
             </a:extLst>
           </p:cNvPr>
@@ -2433,7 +2438,7 @@
           <p:cNvPr id="7" name="Foliennummernplatzhalter 6">
             <a:extLst>
               <a:ext uri="{FF2B5EF4-FFF2-40B4-BE49-F238E27FC236}">
-                <a16:creationId xmlns:a16="http://schemas.microsoft.com/office/drawing/2014/main" id="{C8FB7FA2-1EF7-4E2E-A654-ACFAA1D08226}"/>
+                <a16:creationId xmlns:a16="http://schemas.microsoft.com/office/drawing/2014/main" xmlns="" id="{C8FB7FA2-1EF7-4E2E-A654-ACFAA1D08226}"/>
               </a:ext>
             </a:extLst>
           </p:cNvPr>
@@ -2451,7 +2456,7 @@
           <a:p>
             <a:fld id="{5B9FA8C1-1BB0-438E-A3B4-35B3082B5C3D}" type="slidenum">
               <a:rPr lang="en-US" smtClean="0"/>
-              <a:t>‹Nr.›</a:t>
+              <a:t>‹#›</a:t>
             </a:fld>
             <a:endParaRPr lang="en-US"/>
           </a:p>
@@ -2492,7 +2497,7 @@
           <p:cNvPr id="2" name="Titel 1">
             <a:extLst>
               <a:ext uri="{FF2B5EF4-FFF2-40B4-BE49-F238E27FC236}">
-                <a16:creationId xmlns:a16="http://schemas.microsoft.com/office/drawing/2014/main" id="{FF4FC8D7-CD89-48CD-B4F3-14F2BEB534BA}"/>
+                <a16:creationId xmlns:a16="http://schemas.microsoft.com/office/drawing/2014/main" xmlns="" id="{FF4FC8D7-CD89-48CD-B4F3-14F2BEB534BA}"/>
               </a:ext>
             </a:extLst>
           </p:cNvPr>
@@ -2530,7 +2535,7 @@
           <p:cNvPr id="3" name="Bildplatzhalter 2">
             <a:extLst>
               <a:ext uri="{FF2B5EF4-FFF2-40B4-BE49-F238E27FC236}">
-                <a16:creationId xmlns:a16="http://schemas.microsoft.com/office/drawing/2014/main" id="{EEFBC6E7-2FDE-4858-88B7-7EFECB21900E}"/>
+                <a16:creationId xmlns:a16="http://schemas.microsoft.com/office/drawing/2014/main" xmlns="" id="{EEFBC6E7-2FDE-4858-88B7-7EFECB21900E}"/>
               </a:ext>
             </a:extLst>
           </p:cNvPr>
@@ -2597,7 +2602,7 @@
           <p:cNvPr id="4" name="Textplatzhalter 3">
             <a:extLst>
               <a:ext uri="{FF2B5EF4-FFF2-40B4-BE49-F238E27FC236}">
-                <a16:creationId xmlns:a16="http://schemas.microsoft.com/office/drawing/2014/main" id="{69E5535B-C6A9-434C-A3DC-9B517E09B6FE}"/>
+                <a16:creationId xmlns:a16="http://schemas.microsoft.com/office/drawing/2014/main" xmlns="" id="{69E5535B-C6A9-434C-A3DC-9B517E09B6FE}"/>
               </a:ext>
             </a:extLst>
           </p:cNvPr>
@@ -2668,7 +2673,7 @@
           <p:cNvPr id="5" name="Datumsplatzhalter 4">
             <a:extLst>
               <a:ext uri="{FF2B5EF4-FFF2-40B4-BE49-F238E27FC236}">
-                <a16:creationId xmlns:a16="http://schemas.microsoft.com/office/drawing/2014/main" id="{41FB23FB-12AC-44A0-B151-A1A963A538D3}"/>
+                <a16:creationId xmlns:a16="http://schemas.microsoft.com/office/drawing/2014/main" xmlns="" id="{41FB23FB-12AC-44A0-B151-A1A963A538D3}"/>
               </a:ext>
             </a:extLst>
           </p:cNvPr>
@@ -2686,7 +2691,7 @@
           <a:p>
             <a:fld id="{CB20A560-429B-4DBA-AAB4-7CE22FBA1041}" type="datetimeFigureOut">
               <a:rPr lang="en-US" smtClean="0"/>
-              <a:t>3/6/2018</a:t>
+              <a:t>3/6/18</a:t>
             </a:fld>
             <a:endParaRPr lang="en-US"/>
           </a:p>
@@ -2697,7 +2702,7 @@
           <p:cNvPr id="6" name="Fußzeilenplatzhalter 5">
             <a:extLst>
               <a:ext uri="{FF2B5EF4-FFF2-40B4-BE49-F238E27FC236}">
-                <a16:creationId xmlns:a16="http://schemas.microsoft.com/office/drawing/2014/main" id="{6B148730-FCF9-4D7E-AC0F-FC7AD25008EE}"/>
+                <a16:creationId xmlns:a16="http://schemas.microsoft.com/office/drawing/2014/main" xmlns="" id="{6B148730-FCF9-4D7E-AC0F-FC7AD25008EE}"/>
               </a:ext>
             </a:extLst>
           </p:cNvPr>
@@ -2722,7 +2727,7 @@
           <p:cNvPr id="7" name="Foliennummernplatzhalter 6">
             <a:extLst>
               <a:ext uri="{FF2B5EF4-FFF2-40B4-BE49-F238E27FC236}">
-                <a16:creationId xmlns:a16="http://schemas.microsoft.com/office/drawing/2014/main" id="{CD6B836F-FC2B-4A98-A561-8E12E1BD206B}"/>
+                <a16:creationId xmlns:a16="http://schemas.microsoft.com/office/drawing/2014/main" xmlns="" id="{CD6B836F-FC2B-4A98-A561-8E12E1BD206B}"/>
               </a:ext>
             </a:extLst>
           </p:cNvPr>
@@ -2740,7 +2745,7 @@
           <a:p>
             <a:fld id="{5B9FA8C1-1BB0-438E-A3B4-35B3082B5C3D}" type="slidenum">
               <a:rPr lang="en-US" smtClean="0"/>
-              <a:t>‹Nr.›</a:t>
+              <a:t>‹#›</a:t>
             </a:fld>
             <a:endParaRPr lang="en-US"/>
           </a:p>
@@ -2786,7 +2791,7 @@
           <p:cNvPr id="2" name="Titelplatzhalter 1">
             <a:extLst>
               <a:ext uri="{FF2B5EF4-FFF2-40B4-BE49-F238E27FC236}">
-                <a16:creationId xmlns:a16="http://schemas.microsoft.com/office/drawing/2014/main" id="{40541849-F43B-4719-A703-CDBA84D76B9D}"/>
+                <a16:creationId xmlns:a16="http://schemas.microsoft.com/office/drawing/2014/main" xmlns="" id="{40541849-F43B-4719-A703-CDBA84D76B9D}"/>
               </a:ext>
             </a:extLst>
           </p:cNvPr>
@@ -2825,7 +2830,7 @@
           <p:cNvPr id="3" name="Textplatzhalter 2">
             <a:extLst>
               <a:ext uri="{FF2B5EF4-FFF2-40B4-BE49-F238E27FC236}">
-                <a16:creationId xmlns:a16="http://schemas.microsoft.com/office/drawing/2014/main" id="{D0C0C622-D5F6-4542-B61B-519C5683D63A}"/>
+                <a16:creationId xmlns:a16="http://schemas.microsoft.com/office/drawing/2014/main" xmlns="" id="{D0C0C622-D5F6-4542-B61B-519C5683D63A}"/>
               </a:ext>
             </a:extLst>
           </p:cNvPr>
@@ -2893,7 +2898,7 @@
           <p:cNvPr id="4" name="Datumsplatzhalter 3">
             <a:extLst>
               <a:ext uri="{FF2B5EF4-FFF2-40B4-BE49-F238E27FC236}">
-                <a16:creationId xmlns:a16="http://schemas.microsoft.com/office/drawing/2014/main" id="{BF49FB8E-3E65-474B-9329-75261D4CEE36}"/>
+                <a16:creationId xmlns:a16="http://schemas.microsoft.com/office/drawing/2014/main" xmlns="" id="{BF49FB8E-3E65-474B-9329-75261D4CEE36}"/>
               </a:ext>
             </a:extLst>
           </p:cNvPr>
@@ -2929,7 +2934,7 @@
           <a:p>
             <a:fld id="{CB20A560-429B-4DBA-AAB4-7CE22FBA1041}" type="datetimeFigureOut">
               <a:rPr lang="en-US" smtClean="0"/>
-              <a:t>3/6/2018</a:t>
+              <a:t>3/6/18</a:t>
             </a:fld>
             <a:endParaRPr lang="en-US"/>
           </a:p>
@@ -2940,7 +2945,7 @@
           <p:cNvPr id="5" name="Fußzeilenplatzhalter 4">
             <a:extLst>
               <a:ext uri="{FF2B5EF4-FFF2-40B4-BE49-F238E27FC236}">
-                <a16:creationId xmlns:a16="http://schemas.microsoft.com/office/drawing/2014/main" id="{DEAF2021-3FDB-4466-8CC5-C03F07794B2C}"/>
+                <a16:creationId xmlns:a16="http://schemas.microsoft.com/office/drawing/2014/main" xmlns="" id="{DEAF2021-3FDB-4466-8CC5-C03F07794B2C}"/>
               </a:ext>
             </a:extLst>
           </p:cNvPr>
@@ -2983,7 +2988,7 @@
           <p:cNvPr id="6" name="Foliennummernplatzhalter 5">
             <a:extLst>
               <a:ext uri="{FF2B5EF4-FFF2-40B4-BE49-F238E27FC236}">
-                <a16:creationId xmlns:a16="http://schemas.microsoft.com/office/drawing/2014/main" id="{E5B0BA0C-9638-492F-9163-BAF27C801BBB}"/>
+                <a16:creationId xmlns:a16="http://schemas.microsoft.com/office/drawing/2014/main" xmlns="" id="{E5B0BA0C-9638-492F-9163-BAF27C801BBB}"/>
               </a:ext>
             </a:extLst>
           </p:cNvPr>
@@ -3019,7 +3024,7 @@
           <a:p>
             <a:fld id="{5B9FA8C1-1BB0-438E-A3B4-35B3082B5C3D}" type="slidenum">
               <a:rPr lang="en-US" smtClean="0"/>
-              <a:t>‹Nr.›</a:t>
+              <a:t>‹#›</a:t>
             </a:fld>
             <a:endParaRPr lang="en-US"/>
           </a:p>
@@ -3346,37 +3351,12 @@
           <a:chExt cx="0" cy="0"/>
         </a:xfrm>
       </p:grpSpPr>
-      <p:sp>
-        <p:nvSpPr>
-          <p:cNvPr id="2" name="Titel 1">
-            <a:extLst>
-              <a:ext uri="{FF2B5EF4-FFF2-40B4-BE49-F238E27FC236}">
-                <a16:creationId xmlns:a16="http://schemas.microsoft.com/office/drawing/2014/main" id="{78BA1B4D-AC98-4F0D-B0C4-4D9A8726A933}"/>
-              </a:ext>
-            </a:extLst>
-          </p:cNvPr>
-          <p:cNvSpPr>
-            <a:spLocks noGrp="1"/>
-          </p:cNvSpPr>
-          <p:nvPr>
-            <p:ph type="title"/>
-          </p:nvPr>
-        </p:nvSpPr>
-        <p:spPr/>
-        <p:txBody>
-          <a:bodyPr/>
-          <a:lstStyle/>
-          <a:p>
-            <a:endParaRPr lang="en-US"/>
-          </a:p>
-        </p:txBody>
-      </p:sp>
       <p:pic>
         <p:nvPicPr>
           <p:cNvPr id="7" name="Inhaltsplatzhalter 6">
             <a:extLst>
               <a:ext uri="{FF2B5EF4-FFF2-40B4-BE49-F238E27FC236}">
-                <a16:creationId xmlns:a16="http://schemas.microsoft.com/office/drawing/2014/main" id="{B7118B47-9D11-409A-956F-ECD6296845B6}"/>
+                <a16:creationId xmlns:a16="http://schemas.microsoft.com/office/drawing/2014/main" xmlns="" id="{B7118B47-9D11-409A-956F-ECD6296845B6}"/>
               </a:ext>
             </a:extLst>
           </p:cNvPr>
@@ -3411,7 +3391,7 @@
           <p:cNvPr id="4" name="Inhaltsplatzhalter 4">
             <a:extLst>
               <a:ext uri="{FF2B5EF4-FFF2-40B4-BE49-F238E27FC236}">
-                <a16:creationId xmlns:a16="http://schemas.microsoft.com/office/drawing/2014/main" id="{4726D4EC-A6A7-4D07-AC04-6532B71E8C6B}"/>
+                <a16:creationId xmlns:a16="http://schemas.microsoft.com/office/drawing/2014/main" xmlns="" id="{4726D4EC-A6A7-4D07-AC04-6532B71E8C6B}"/>
               </a:ext>
             </a:extLst>
           </p:cNvPr>
@@ -3441,7 +3421,7 @@
           <p:cNvPr id="8" name="Grafik 7">
             <a:extLst>
               <a:ext uri="{FF2B5EF4-FFF2-40B4-BE49-F238E27FC236}">
-                <a16:creationId xmlns:a16="http://schemas.microsoft.com/office/drawing/2014/main" id="{1BB12765-9AF4-4B95-905E-4C3CCBFE9194}"/>
+                <a16:creationId xmlns:a16="http://schemas.microsoft.com/office/drawing/2014/main" xmlns="" id="{1BB12765-9AF4-4B95-905E-4C3CCBFE9194}"/>
               </a:ext>
             </a:extLst>
           </p:cNvPr>
@@ -3471,7 +3451,7 @@
           <p:cNvPr id="9" name="Textfeld 8">
             <a:extLst>
               <a:ext uri="{FF2B5EF4-FFF2-40B4-BE49-F238E27FC236}">
-                <a16:creationId xmlns:a16="http://schemas.microsoft.com/office/drawing/2014/main" id="{878B0848-16F7-4D2F-B6CF-853F1A686B9E}"/>
+                <a16:creationId xmlns:a16="http://schemas.microsoft.com/office/drawing/2014/main" xmlns="" id="{878B0848-16F7-4D2F-B6CF-853F1A686B9E}"/>
               </a:ext>
             </a:extLst>
           </p:cNvPr>
@@ -3500,19 +3480,19 @@
             </a:r>
             <a:r>
               <a:rPr lang="de-CH" sz="2000" dirty="0" err="1"/>
-              <a:t>Lender</a:t>
+              <a:t>Borrower </a:t>
             </a:r>
             <a:r>
               <a:rPr lang="de-CH" sz="2000" dirty="0"/>
-              <a:t> zahlt zuerst einen Betrag auf das App ein. Die Bezahlung des Car </a:t>
+              <a:t>zahlt zuerst einen Betrag auf das App ein. Die Bezahlung des Car </a:t>
             </a:r>
             <a:r>
               <a:rPr lang="de-CH" sz="2000" dirty="0" err="1"/>
-              <a:t>Sharers</a:t>
+              <a:t>Lender </a:t>
             </a:r>
             <a:r>
               <a:rPr lang="de-CH" sz="2000" dirty="0"/>
-              <a:t> erfolgt somit via App und ist abgesichert.</a:t>
+              <a:t>erfolgt somit via App und ist abgesichert.</a:t>
             </a:r>
             <a:endParaRPr lang="en-US" sz="2000" dirty="0"/>
           </a:p>
@@ -3523,7 +3503,7 @@
           <p:cNvPr id="10" name="Textfeld 9">
             <a:extLst>
               <a:ext uri="{FF2B5EF4-FFF2-40B4-BE49-F238E27FC236}">
-                <a16:creationId xmlns:a16="http://schemas.microsoft.com/office/drawing/2014/main" id="{762955C4-9E0C-4BD1-B829-47A56A188112}"/>
+                <a16:creationId xmlns:a16="http://schemas.microsoft.com/office/drawing/2014/main" xmlns="" id="{762955C4-9E0C-4BD1-B829-47A56A188112}"/>
               </a:ext>
             </a:extLst>
           </p:cNvPr>
@@ -3548,7 +3528,7 @@
           <a:p>
             <a:r>
               <a:rPr lang="de-CH" sz="2000" dirty="0"/>
-              <a:t>Via dem Message Tab sind alle relevanten Informationen Ersichtlich.</a:t>
+              <a:t>Via dem Message Tab sind alle relevanten Informationen ersichtlich.</a:t>
             </a:r>
           </a:p>
           <a:p>
@@ -3642,35 +3622,10 @@
       </p:grpSpPr>
       <p:sp>
         <p:nvSpPr>
-          <p:cNvPr id="2" name="Titel 1">
-            <a:extLst>
-              <a:ext uri="{FF2B5EF4-FFF2-40B4-BE49-F238E27FC236}">
-                <a16:creationId xmlns:a16="http://schemas.microsoft.com/office/drawing/2014/main" id="{78BA1B4D-AC98-4F0D-B0C4-4D9A8726A933}"/>
-              </a:ext>
-            </a:extLst>
-          </p:cNvPr>
-          <p:cNvSpPr>
-            <a:spLocks noGrp="1"/>
-          </p:cNvSpPr>
-          <p:nvPr>
-            <p:ph type="title"/>
-          </p:nvPr>
-        </p:nvSpPr>
-        <p:spPr/>
-        <p:txBody>
-          <a:bodyPr/>
-          <a:lstStyle/>
-          <a:p>
-            <a:endParaRPr lang="en-US"/>
-          </a:p>
-        </p:txBody>
-      </p:sp>
-      <p:sp>
-        <p:nvSpPr>
           <p:cNvPr id="9" name="Textfeld 8">
             <a:extLst>
               <a:ext uri="{FF2B5EF4-FFF2-40B4-BE49-F238E27FC236}">
-                <a16:creationId xmlns:a16="http://schemas.microsoft.com/office/drawing/2014/main" id="{878B0848-16F7-4D2F-B6CF-853F1A686B9E}"/>
+                <a16:creationId xmlns:a16="http://schemas.microsoft.com/office/drawing/2014/main" xmlns="" id="{878B0848-16F7-4D2F-B6CF-853F1A686B9E}"/>
               </a:ext>
             </a:extLst>
           </p:cNvPr>
@@ -3699,11 +3654,11 @@
             </a:r>
             <a:r>
               <a:rPr lang="de-CH" dirty="0" err="1"/>
-              <a:t>Sharer</a:t>
+              <a:t>Lender </a:t>
             </a:r>
             <a:r>
               <a:rPr lang="de-CH" dirty="0"/>
-              <a:t> eingesehen werden.</a:t>
+              <a:t>eingesehen werden.</a:t>
             </a:r>
             <a:endParaRPr lang="en-US" dirty="0"/>
           </a:p>
@@ -3714,7 +3669,7 @@
           <p:cNvPr id="10" name="Textfeld 9">
             <a:extLst>
               <a:ext uri="{FF2B5EF4-FFF2-40B4-BE49-F238E27FC236}">
-                <a16:creationId xmlns:a16="http://schemas.microsoft.com/office/drawing/2014/main" id="{762955C4-9E0C-4BD1-B829-47A56A188112}"/>
+                <a16:creationId xmlns:a16="http://schemas.microsoft.com/office/drawing/2014/main" xmlns="" id="{762955C4-9E0C-4BD1-B829-47A56A188112}"/>
               </a:ext>
             </a:extLst>
           </p:cNvPr>
@@ -3749,7 +3704,7 @@
           <p:cNvPr id="6" name="Grafik 5">
             <a:extLst>
               <a:ext uri="{FF2B5EF4-FFF2-40B4-BE49-F238E27FC236}">
-                <a16:creationId xmlns:a16="http://schemas.microsoft.com/office/drawing/2014/main" id="{23768470-42C9-42B4-8A04-4345C00B92BA}"/>
+                <a16:creationId xmlns:a16="http://schemas.microsoft.com/office/drawing/2014/main" xmlns="" id="{23768470-42C9-42B4-8A04-4345C00B92BA}"/>
               </a:ext>
             </a:extLst>
           </p:cNvPr>
@@ -3779,7 +3734,7 @@
           <p:cNvPr id="11" name="Grafik 10">
             <a:extLst>
               <a:ext uri="{FF2B5EF4-FFF2-40B4-BE49-F238E27FC236}">
-                <a16:creationId xmlns:a16="http://schemas.microsoft.com/office/drawing/2014/main" id="{E7003A73-5922-44CE-AF02-A89881DCDBA7}"/>
+                <a16:creationId xmlns:a16="http://schemas.microsoft.com/office/drawing/2014/main" xmlns="" id="{E7003A73-5922-44CE-AF02-A89881DCDBA7}"/>
               </a:ext>
             </a:extLst>
           </p:cNvPr>
@@ -3809,7 +3764,7 @@
           <p:cNvPr id="12" name="Inhaltsplatzhalter 4">
             <a:extLst>
               <a:ext uri="{FF2B5EF4-FFF2-40B4-BE49-F238E27FC236}">
-                <a16:creationId xmlns:a16="http://schemas.microsoft.com/office/drawing/2014/main" id="{F2301686-B3B8-4A2A-B229-3BD6ECA704E4}"/>
+                <a16:creationId xmlns:a16="http://schemas.microsoft.com/office/drawing/2014/main" xmlns="" id="{F2301686-B3B8-4A2A-B229-3BD6ECA704E4}"/>
               </a:ext>
             </a:extLst>
           </p:cNvPr>
@@ -3869,7 +3824,7 @@
           <p:cNvPr id="6" name="Grafik 5">
             <a:extLst>
               <a:ext uri="{FF2B5EF4-FFF2-40B4-BE49-F238E27FC236}">
-                <a16:creationId xmlns:a16="http://schemas.microsoft.com/office/drawing/2014/main" id="{56F78254-44BE-482A-8E3F-3B1811242671}"/>
+                <a16:creationId xmlns:a16="http://schemas.microsoft.com/office/drawing/2014/main" xmlns="" id="{56F78254-44BE-482A-8E3F-3B1811242671}"/>
               </a:ext>
             </a:extLst>
           </p:cNvPr>
@@ -3905,7 +3860,7 @@
           <p:cNvPr id="7" name="Grafik 6">
             <a:extLst>
               <a:ext uri="{FF2B5EF4-FFF2-40B4-BE49-F238E27FC236}">
-                <a16:creationId xmlns:a16="http://schemas.microsoft.com/office/drawing/2014/main" id="{82D9146A-50F8-41A7-8C3E-FA7AF5962DB9}"/>
+                <a16:creationId xmlns:a16="http://schemas.microsoft.com/office/drawing/2014/main" xmlns="" id="{82D9146A-50F8-41A7-8C3E-FA7AF5962DB9}"/>
               </a:ext>
             </a:extLst>
           </p:cNvPr>
@@ -3935,7 +3890,7 @@
           <p:cNvPr id="8" name="Grafik 7">
             <a:extLst>
               <a:ext uri="{FF2B5EF4-FFF2-40B4-BE49-F238E27FC236}">
-                <a16:creationId xmlns:a16="http://schemas.microsoft.com/office/drawing/2014/main" id="{EB161CD5-A8E4-4121-A504-B55FB485B240}"/>
+                <a16:creationId xmlns:a16="http://schemas.microsoft.com/office/drawing/2014/main" xmlns="" id="{EB161CD5-A8E4-4121-A504-B55FB485B240}"/>
               </a:ext>
             </a:extLst>
           </p:cNvPr>
@@ -3965,7 +3920,7 @@
           <p:cNvPr id="9" name="Textfeld 8">
             <a:extLst>
               <a:ext uri="{FF2B5EF4-FFF2-40B4-BE49-F238E27FC236}">
-                <a16:creationId xmlns:a16="http://schemas.microsoft.com/office/drawing/2014/main" id="{7D3FBF47-60A3-49DF-B91E-9286B0878030}"/>
+                <a16:creationId xmlns:a16="http://schemas.microsoft.com/office/drawing/2014/main" xmlns="" id="{7D3FBF47-60A3-49DF-B91E-9286B0878030}"/>
               </a:ext>
             </a:extLst>
           </p:cNvPr>
@@ -3975,7 +3930,7 @@
         <p:spPr>
           <a:xfrm>
             <a:off x="3876676" y="1432859"/>
-            <a:ext cx="1524000" cy="1323439"/>
+            <a:ext cx="1925410" cy="1015663"/>
           </a:xfrm>
           <a:prstGeom prst="rect">
             <a:avLst/>
@@ -4001,7 +3956,7 @@
           <p:cNvPr id="10" name="Textfeld 9">
             <a:extLst>
               <a:ext uri="{FF2B5EF4-FFF2-40B4-BE49-F238E27FC236}">
-                <a16:creationId xmlns:a16="http://schemas.microsoft.com/office/drawing/2014/main" id="{E9C89340-C315-498A-90B9-AA8A5E84AD87}"/>
+                <a16:creationId xmlns:a16="http://schemas.microsoft.com/office/drawing/2014/main" xmlns="" id="{E9C89340-C315-498A-90B9-AA8A5E84AD87}"/>
               </a:ext>
             </a:extLst>
           </p:cNvPr>
@@ -4026,7 +3981,7 @@
           <a:p>
             <a:r>
               <a:rPr lang="de-CH" sz="2000" dirty="0"/>
-              <a:t>Öffnen des Autos via App. Genaue funktionsweise muss jedoch noch untersucht werden, nicht kompatibel mit allen Autos.</a:t>
+              <a:t>Öffnen des Autos via App. Genaue Funktionsweise muss jedoch noch untersucht werden, nicht kompatibel mit allen Autos.</a:t>
             </a:r>
             <a:endParaRPr lang="en-US" sz="2000" dirty="0"/>
           </a:p>
@@ -4067,7 +4022,7 @@
           <p:cNvPr id="4" name="Grafik 3">
             <a:extLst>
               <a:ext uri="{FF2B5EF4-FFF2-40B4-BE49-F238E27FC236}">
-                <a16:creationId xmlns:a16="http://schemas.microsoft.com/office/drawing/2014/main" id="{68242B3F-2943-4AB6-A9A7-808E7FDF88FA}"/>
+                <a16:creationId xmlns:a16="http://schemas.microsoft.com/office/drawing/2014/main" xmlns="" id="{68242B3F-2943-4AB6-A9A7-808E7FDF88FA}"/>
               </a:ext>
             </a:extLst>
           </p:cNvPr>
@@ -4097,7 +4052,7 @@
           <p:cNvPr id="5" name="Textfeld 4">
             <a:extLst>
               <a:ext uri="{FF2B5EF4-FFF2-40B4-BE49-F238E27FC236}">
-                <a16:creationId xmlns:a16="http://schemas.microsoft.com/office/drawing/2014/main" id="{641AAC3F-7E0E-4A17-A947-BAAA0420BAA7}"/>
+                <a16:creationId xmlns:a16="http://schemas.microsoft.com/office/drawing/2014/main" xmlns="" id="{641AAC3F-7E0E-4A17-A947-BAAA0420BAA7}"/>
               </a:ext>
             </a:extLst>
           </p:cNvPr>
@@ -4163,7 +4118,7 @@
           <p:cNvPr id="6" name="Grafik 5">
             <a:extLst>
               <a:ext uri="{FF2B5EF4-FFF2-40B4-BE49-F238E27FC236}">
-                <a16:creationId xmlns:a16="http://schemas.microsoft.com/office/drawing/2014/main" id="{1F6DBC9D-C34E-40B1-A7DB-A4D3EF17BD7B}"/>
+                <a16:creationId xmlns:a16="http://schemas.microsoft.com/office/drawing/2014/main" xmlns="" id="{1F6DBC9D-C34E-40B1-A7DB-A4D3EF17BD7B}"/>
               </a:ext>
             </a:extLst>
           </p:cNvPr>
@@ -4229,7 +4184,7 @@
           <p:cNvPr id="4" name="Grafik 3">
             <a:extLst>
               <a:ext uri="{FF2B5EF4-FFF2-40B4-BE49-F238E27FC236}">
-                <a16:creationId xmlns:a16="http://schemas.microsoft.com/office/drawing/2014/main" id="{FA3729E7-7598-4E19-A9C6-3AE11C5A9ED9}"/>
+                <a16:creationId xmlns:a16="http://schemas.microsoft.com/office/drawing/2014/main" xmlns="" id="{FA3729E7-7598-4E19-A9C6-3AE11C5A9ED9}"/>
               </a:ext>
             </a:extLst>
           </p:cNvPr>
@@ -4259,7 +4214,7 @@
           <p:cNvPr id="5" name="Textfeld 4">
             <a:extLst>
               <a:ext uri="{FF2B5EF4-FFF2-40B4-BE49-F238E27FC236}">
-                <a16:creationId xmlns:a16="http://schemas.microsoft.com/office/drawing/2014/main" id="{E6E5566F-F654-46F0-A646-3E7962BE6AF4}"/>
+                <a16:creationId xmlns:a16="http://schemas.microsoft.com/office/drawing/2014/main" xmlns="" id="{E6E5566F-F654-46F0-A646-3E7962BE6AF4}"/>
               </a:ext>
             </a:extLst>
           </p:cNvPr>
@@ -4268,8 +4223,8 @@
         </p:nvSpPr>
         <p:spPr>
           <a:xfrm>
-            <a:off x="6709025" y="1538056"/>
-            <a:ext cx="4777412" cy="2862322"/>
+            <a:off x="6676367" y="1233256"/>
+            <a:ext cx="4777412" cy="5016758"/>
           </a:xfrm>
           <a:prstGeom prst="rect">
             <a:avLst/>
@@ -4293,7 +4248,25 @@
           <a:p>
             <a:r>
               <a:rPr lang="de-CH" sz="2000" dirty="0"/>
-              <a:t>Dies ist übrigens der Erste von fünf Schritten.</a:t>
+              <a:t>Dies ist übrigens der erste von fünf Schritten.</a:t>
+            </a:r>
+          </a:p>
+          <a:p>
+            <a:endParaRPr lang="de-CH" sz="2000" dirty="0"/>
+          </a:p>
+          <a:p>
+            <a:r>
+              <a:rPr lang="de-CH" sz="2000" dirty="0"/>
+              <a:t>Könnte vielleicht auch später stattfinden (bei der Buchung)</a:t>
+            </a:r>
+          </a:p>
+          <a:p>
+            <a:endParaRPr lang="de-CH" sz="2000" dirty="0"/>
+          </a:p>
+          <a:p>
+            <a:r>
+              <a:rPr lang="de-CH" sz="2000" dirty="0"/>
+              <a:t>Fraglich, welche Daten nun relevant sind (Führerschein, Kreditkarte eigentlich ausreichend)</a:t>
             </a:r>
             <a:endParaRPr lang="en-US" sz="2000" dirty="0"/>
           </a:p>
@@ -4304,7 +4277,7 @@
           <p:cNvPr id="6" name="Grafik 5">
             <a:extLst>
               <a:ext uri="{FF2B5EF4-FFF2-40B4-BE49-F238E27FC236}">
-                <a16:creationId xmlns:a16="http://schemas.microsoft.com/office/drawing/2014/main" id="{2CEBF2DF-E744-4FE7-A85E-C57B224EEFD3}"/>
+                <a16:creationId xmlns:a16="http://schemas.microsoft.com/office/drawing/2014/main" xmlns="" id="{2CEBF2DF-E744-4FE7-A85E-C57B224EEFD3}"/>
               </a:ext>
             </a:extLst>
           </p:cNvPr>
@@ -4334,7 +4307,7 @@
           <p:cNvPr id="7" name="Grafik 6">
             <a:extLst>
               <a:ext uri="{FF2B5EF4-FFF2-40B4-BE49-F238E27FC236}">
-                <a16:creationId xmlns:a16="http://schemas.microsoft.com/office/drawing/2014/main" id="{FBB0D53E-560C-411B-BD3A-0FFA158E768F}"/>
+                <a16:creationId xmlns:a16="http://schemas.microsoft.com/office/drawing/2014/main" xmlns="" id="{FBB0D53E-560C-411B-BD3A-0FFA158E768F}"/>
               </a:ext>
             </a:extLst>
           </p:cNvPr>

--- a/usab/Konkurenzanalyse.pptx
+++ b/usab/Konkurenzanalyse.pptx
@@ -4239,7 +4239,7 @@
           <a:p>
             <a:r>
               <a:rPr lang="de-CH" sz="2000" dirty="0"/>
-              <a:t>Nach dem Verifizieren der Mailadresse müssen nun viel mehr Daten eingetragen werden. (Leute, welche bei einem solchen Formular tendenziell wegklicken, werden dies seltener tun, da sie bereits einen Account erstellt haben. )</a:t>
+              <a:t>Nach Verifizierung der Mailadresse müssen nun viel mehr Daten eingetragen werden. (Leute, welche bei einem solchen Formular tendenziell wegklicken, werden dies seltener tun, da sie bereits einen Account erstellt haben. )</a:t>
             </a:r>
           </a:p>
           <a:p>
